--- a/clases/Cap00_Lineas_Generales/program/IMG00_Presentacion.pptx
+++ b/clases/Cap00_Lineas_Generales/program/IMG00_Presentacion.pptx
@@ -12891,7 +12891,7 @@
                 <a:latin typeface="Trebuchet MS" charset="0"/>
                 <a:hlinkClick r:id="rId3"/>
               </a:rPr>
-              <a:t>http://dmery.ing.puc.cl</a:t>
+              <a:t>http://domingomery.ing.puc.cl</a:t>
             </a:r>
             <a:r>
               <a:rPr lang="es-CL" b="1" dirty="0">
@@ -12913,24 +12913,14 @@
           </a:p>
           <a:p>
             <a:r>
-              <a:rPr lang="es-CL" b="1">
+              <a:rPr lang="es-CL" b="1" dirty="0">
                 <a:solidFill>
                   <a:schemeClr val="accent2"/>
                 </a:solidFill>
                 <a:latin typeface="Trebuchet MS" charset="0"/>
                 <a:hlinkClick r:id="rId4"/>
               </a:rPr>
-              <a:t>Domingo.mery@uc</a:t>
-            </a:r>
-            <a:r>
-              <a:rPr lang="es-CL" b="1" dirty="0">
-                <a:solidFill>
-                  <a:schemeClr val="accent2"/>
-                </a:solidFill>
-                <a:latin typeface="Trebuchet MS" charset="0"/>
-                <a:hlinkClick r:id="rId4"/>
-              </a:rPr>
-              <a:t>.cl</a:t>
+              <a:t>domingo.mery@uc.cl</a:t>
             </a:r>
             <a:endParaRPr lang="es-CL" b="1" dirty="0">
               <a:solidFill>
